--- a/Poster/ML_poster_rev2.pptx
+++ b/Poster/ML_poster_rev2.pptx
@@ -257,7 +257,7 @@
               <a:pPr>
                 <a:defRPr/>
               </a:pPr>
-              <a:t>3/3/18</a:t>
+              <a:t>3/3/2018</a:t>
             </a:fld>
             <a:endParaRPr lang="en-US" altLang="en-US"/>
           </a:p>
@@ -626,7 +626,7 @@
               </a14:hiddenFill>
             </a:ext>
             <a:ext uri="{FAA26D3D-D897-4be2-8F04-BA451C77F1D7}">
-              <ma14:placeholderFlag xmlns:ma14="http://schemas.microsoft.com/office/mac/drawingml/2011/main" val="1"/>
+              <ma14:placeholderFlag xmlns:ma14="http://schemas.microsoft.com/office/mac/drawingml/2011/main" xmlns="" val="1"/>
             </a:ext>
           </a:extLst>
         </p:spPr>
@@ -662,7 +662,7 @@
               </a14:hiddenLine>
             </a:ext>
             <a:ext uri="{FAA26D3D-D897-4be2-8F04-BA451C77F1D7}">
-              <ma14:placeholderFlag xmlns:ma14="http://schemas.microsoft.com/office/mac/drawingml/2011/main" val="1"/>
+              <ma14:placeholderFlag xmlns:ma14="http://schemas.microsoft.com/office/mac/drawingml/2011/main" xmlns="" val="1"/>
             </a:ext>
           </a:extLst>
         </p:spPr>
@@ -3549,7 +3549,7 @@
               </a14:hiddenLine>
             </a:ext>
             <a:ext uri="{FAA26D3D-D897-4be2-8F04-BA451C77F1D7}">
-              <ma14:placeholderFlag xmlns:ma14="http://schemas.microsoft.com/office/mac/drawingml/2011/main" val="1"/>
+              <ma14:placeholderFlag xmlns:ma14="http://schemas.microsoft.com/office/mac/drawingml/2011/main" xmlns="" val="1"/>
             </a:ext>
           </a:extLst>
         </p:spPr>
@@ -3610,7 +3610,7 @@
               </a14:hiddenLine>
             </a:ext>
             <a:ext uri="{FAA26D3D-D897-4be2-8F04-BA451C77F1D7}">
-              <ma14:placeholderFlag xmlns:ma14="http://schemas.microsoft.com/office/mac/drawingml/2011/main" val="1"/>
+              <ma14:placeholderFlag xmlns:ma14="http://schemas.microsoft.com/office/mac/drawingml/2011/main" xmlns="" val="1"/>
             </a:ext>
           </a:extLst>
         </p:spPr>
@@ -5181,15 +5181,7 @@
                 <a:ea typeface="Times New Roman" charset="0"/>
                 <a:cs typeface="Times New Roman" charset="0"/>
               </a:rPr>
-              <a:t> </a:t>
-            </a:r>
-            <a:r>
-              <a:rPr lang="en-US" altLang="en-US" sz="5143" b="1" dirty="0" smtClean="0">
-                <a:latin typeface="Times New Roman" charset="0"/>
-                <a:ea typeface="Times New Roman" charset="0"/>
-                <a:cs typeface="Times New Roman" charset="0"/>
-              </a:rPr>
-              <a:t>Kim (</a:t>
+              <a:t> Kim (</a:t>
             </a:r>
             <a:r>
               <a:rPr lang="en-US" altLang="en-US" sz="5143" b="1" dirty="0" err="1">
@@ -5205,15 +5197,7 @@
                 <a:ea typeface="Times New Roman" charset="0"/>
                 <a:cs typeface="Times New Roman" charset="0"/>
               </a:rPr>
-              <a:t>), Department </a:t>
-            </a:r>
-            <a:r>
-              <a:rPr lang="en-US" altLang="en-US" sz="5143" b="1" dirty="0" smtClean="0">
-                <a:latin typeface="Times New Roman" charset="0"/>
-                <a:ea typeface="Times New Roman" charset="0"/>
-                <a:cs typeface="Times New Roman" charset="0"/>
-              </a:rPr>
-              <a:t>of Political Science</a:t>
+              <a:t>), Department of Political Science</a:t>
             </a:r>
           </a:p>
           <a:p>
@@ -6011,23 +5995,7 @@
                 <a:ea typeface="Times New Roman" charset="0"/>
                 <a:cs typeface="Times New Roman" charset="0"/>
               </a:rPr>
-              <a:t>K</a:t>
-            </a:r>
-            <a:r>
-              <a:rPr lang="en-US" altLang="en-US" sz="4400" spc="-150" dirty="0" smtClean="0">
-                <a:latin typeface="Times New Roman" charset="0"/>
-                <a:ea typeface="Times New Roman" charset="0"/>
-                <a:cs typeface="Times New Roman" charset="0"/>
-              </a:rPr>
-              <a:t>= 45 </a:t>
-            </a:r>
-            <a:r>
-              <a:rPr lang="en-US" altLang="en-US" sz="4400" spc="-150" dirty="0" smtClean="0">
-                <a:latin typeface="Times New Roman" charset="0"/>
-                <a:ea typeface="Times New Roman" charset="0"/>
-                <a:cs typeface="Times New Roman" charset="0"/>
-              </a:rPr>
-              <a:t>topics and extract 15 FREX words</a:t>
+              <a:t>K= 45 topics and extract 15 FREX words</a:t>
             </a:r>
           </a:p>
           <a:p>
@@ -6066,12 +6034,12 @@
               <a:t>With 15 FREX words for each dimension, counted the frequencies and scaled by each document </a:t>
             </a:r>
             <a:r>
-              <a:rPr lang="en-US" altLang="en-US" sz="4400" spc="-150" dirty="0" err="1" smtClean="0">
+              <a:rPr lang="en-US" altLang="en-US" sz="4400" spc="-150" dirty="0" smtClean="0">
                 <a:latin typeface="Times New Roman" charset="0"/>
                 <a:ea typeface="Times New Roman" charset="0"/>
                 <a:cs typeface="Times New Roman" charset="0"/>
               </a:rPr>
-              <a:t>lengt</a:t>
+              <a:t>length</a:t>
             </a:r>
             <a:endParaRPr lang="en-US" altLang="en-US" sz="4400" spc="-150" dirty="0" smtClean="0">
               <a:latin typeface="Times New Roman" charset="0"/>
@@ -7804,7 +7772,7 @@
           <p:cNvPr id="2" name="TextBox 1">
             <a:extLst>
               <a:ext uri="{FF2B5EF4-FFF2-40B4-BE49-F238E27FC236}">
-                <a16:creationId xmlns="" xmlns:a16="http://schemas.microsoft.com/office/drawing/2014/main" id="{7B97C7E3-A8DF-4DC3-A1E2-1B0C28BA069E}"/>
+                <a16:creationId xmlns:a16="http://schemas.microsoft.com/office/drawing/2014/main" id="{7B97C7E3-A8DF-4DC3-A1E2-1B0C28BA069E}"/>
               </a:ext>
             </a:extLst>
           </p:cNvPr>
@@ -8984,21 +8952,21 @@
                 <a:gridCol w="1359309">
                   <a:extLst>
                     <a:ext uri="{9D8B030D-6E8A-4147-A177-3AD203B41FA5}">
-                      <a16:colId xmlns="" xmlns:a16="http://schemas.microsoft.com/office/drawing/2014/main" val="4219704855"/>
+                      <a16:colId xmlns:a16="http://schemas.microsoft.com/office/drawing/2014/main" val="4219704855"/>
                     </a:ext>
                   </a:extLst>
                 </a:gridCol>
                 <a:gridCol w="4666226">
                   <a:extLst>
                     <a:ext uri="{9D8B030D-6E8A-4147-A177-3AD203B41FA5}">
-                      <a16:colId xmlns="" xmlns:a16="http://schemas.microsoft.com/office/drawing/2014/main" val="663304543"/>
+                      <a16:colId xmlns:a16="http://schemas.microsoft.com/office/drawing/2014/main" val="663304543"/>
                     </a:ext>
                   </a:extLst>
                 </a:gridCol>
                 <a:gridCol w="4533391">
                   <a:extLst>
                     <a:ext uri="{9D8B030D-6E8A-4147-A177-3AD203B41FA5}">
-                      <a16:colId xmlns="" xmlns:a16="http://schemas.microsoft.com/office/drawing/2014/main" val="1331362254"/>
+                      <a16:colId xmlns:a16="http://schemas.microsoft.com/office/drawing/2014/main" val="1331362254"/>
                     </a:ext>
                   </a:extLst>
                 </a:gridCol>
@@ -9087,7 +9055,7 @@
                 </a:tc>
                 <a:extLst>
                   <a:ext uri="{0D108BD9-81ED-4DB2-BD59-A6C34878D82A}">
-                    <a16:rowId xmlns="" xmlns:a16="http://schemas.microsoft.com/office/drawing/2014/main" val="2978029908"/>
+                    <a16:rowId xmlns:a16="http://schemas.microsoft.com/office/drawing/2014/main" val="2978029908"/>
                   </a:ext>
                 </a:extLst>
               </a:tr>
@@ -9186,7 +9154,7 @@
                 </a:tc>
                 <a:extLst>
                   <a:ext uri="{0D108BD9-81ED-4DB2-BD59-A6C34878D82A}">
-                    <a16:rowId xmlns="" xmlns:a16="http://schemas.microsoft.com/office/drawing/2014/main" val="3918322365"/>
+                    <a16:rowId xmlns:a16="http://schemas.microsoft.com/office/drawing/2014/main" val="3918322365"/>
                   </a:ext>
                 </a:extLst>
               </a:tr>
@@ -9308,7 +9276,7 @@
                 </a:tc>
                 <a:extLst>
                   <a:ext uri="{0D108BD9-81ED-4DB2-BD59-A6C34878D82A}">
-                    <a16:rowId xmlns="" xmlns:a16="http://schemas.microsoft.com/office/drawing/2014/main" val="1831740532"/>
+                    <a16:rowId xmlns:a16="http://schemas.microsoft.com/office/drawing/2014/main" val="1831740532"/>
                   </a:ext>
                 </a:extLst>
               </a:tr>

--- a/Poster/ML_poster_rev2.pptx
+++ b/Poster/ML_poster_rev2.pptx
@@ -626,7 +626,7 @@
               </a14:hiddenFill>
             </a:ext>
             <a:ext uri="{FAA26D3D-D897-4be2-8F04-BA451C77F1D7}">
-              <ma14:placeholderFlag xmlns:ma14="http://schemas.microsoft.com/office/mac/drawingml/2011/main" xmlns="" val="1"/>
+              <ma14:placeholderFlag xmlns="" xmlns:ma14="http://schemas.microsoft.com/office/mac/drawingml/2011/main" val="1"/>
             </a:ext>
           </a:extLst>
         </p:spPr>
@@ -662,7 +662,7 @@
               </a14:hiddenLine>
             </a:ext>
             <a:ext uri="{FAA26D3D-D897-4be2-8F04-BA451C77F1D7}">
-              <ma14:placeholderFlag xmlns:ma14="http://schemas.microsoft.com/office/mac/drawingml/2011/main" xmlns="" val="1"/>
+              <ma14:placeholderFlag xmlns="" xmlns:ma14="http://schemas.microsoft.com/office/mac/drawingml/2011/main" val="1"/>
             </a:ext>
           </a:extLst>
         </p:spPr>
@@ -3549,7 +3549,7 @@
               </a14:hiddenLine>
             </a:ext>
             <a:ext uri="{FAA26D3D-D897-4be2-8F04-BA451C77F1D7}">
-              <ma14:placeholderFlag xmlns:ma14="http://schemas.microsoft.com/office/mac/drawingml/2011/main" xmlns="" val="1"/>
+              <ma14:placeholderFlag xmlns="" xmlns:ma14="http://schemas.microsoft.com/office/mac/drawingml/2011/main" val="1"/>
             </a:ext>
           </a:extLst>
         </p:spPr>
@@ -3610,7 +3610,7 @@
               </a14:hiddenLine>
             </a:ext>
             <a:ext uri="{FAA26D3D-D897-4be2-8F04-BA451C77F1D7}">
-              <ma14:placeholderFlag xmlns:ma14="http://schemas.microsoft.com/office/mac/drawingml/2011/main" xmlns="" val="1"/>
+              <ma14:placeholderFlag xmlns="" xmlns:ma14="http://schemas.microsoft.com/office/mac/drawingml/2011/main" val="1"/>
             </a:ext>
           </a:extLst>
         </p:spPr>
@@ -6031,21 +6031,8 @@
                 <a:ea typeface="Times New Roman" charset="0"/>
                 <a:cs typeface="Times New Roman" charset="0"/>
               </a:rPr>
-              <a:t>With 15 FREX words for each dimension, counted the frequencies and scaled by each document </a:t>
-            </a:r>
-            <a:r>
-              <a:rPr lang="en-US" altLang="en-US" sz="4400" spc="-150" dirty="0" smtClean="0">
-                <a:latin typeface="Times New Roman" charset="0"/>
-                <a:ea typeface="Times New Roman" charset="0"/>
-                <a:cs typeface="Times New Roman" charset="0"/>
-              </a:rPr>
-              <a:t>length</a:t>
-            </a:r>
-            <a:endParaRPr lang="en-US" altLang="en-US" sz="4400" spc="-150" dirty="0" smtClean="0">
-              <a:latin typeface="Times New Roman" charset="0"/>
-              <a:ea typeface="Times New Roman" charset="0"/>
-              <a:cs typeface="Times New Roman" charset="0"/>
-            </a:endParaRPr>
+              <a:t>With 15 FREX words for each dimension, counted the frequencies and scaled by each document length</a:t>
+            </a:r>
           </a:p>
           <a:p>
             <a:pPr marL="685800" indent="-685800">
@@ -7821,8 +7808,8 @@
         </p:blipFill>
         <p:spPr>
           <a:xfrm>
-            <a:off x="33946888" y="17090066"/>
-            <a:ext cx="9868112" cy="6739847"/>
+            <a:off x="34264388" y="17526000"/>
+            <a:ext cx="9868112" cy="5843459"/>
           </a:xfrm>
           <a:prstGeom prst="rect">
             <a:avLst/>

--- a/Poster/ML_poster_rev2.pptx
+++ b/Poster/ML_poster_rev2.pptx
@@ -257,7 +257,7 @@
               <a:pPr>
                 <a:defRPr/>
               </a:pPr>
-              <a:t>3/3/2018</a:t>
+              <a:t>3/4/2018</a:t>
             </a:fld>
             <a:endParaRPr lang="en-US" altLang="en-US"/>
           </a:p>
@@ -626,7 +626,7 @@
               </a14:hiddenFill>
             </a:ext>
             <a:ext uri="{FAA26D3D-D897-4be2-8F04-BA451C77F1D7}">
-              <ma14:placeholderFlag xmlns="" xmlns:ma14="http://schemas.microsoft.com/office/mac/drawingml/2011/main" val="1"/>
+              <ma14:placeholderFlag xmlns:ma14="http://schemas.microsoft.com/office/mac/drawingml/2011/main" xmlns="" val="1"/>
             </a:ext>
           </a:extLst>
         </p:spPr>
@@ -662,7 +662,7 @@
               </a14:hiddenLine>
             </a:ext>
             <a:ext uri="{FAA26D3D-D897-4be2-8F04-BA451C77F1D7}">
-              <ma14:placeholderFlag xmlns="" xmlns:ma14="http://schemas.microsoft.com/office/mac/drawingml/2011/main" val="1"/>
+              <ma14:placeholderFlag xmlns:ma14="http://schemas.microsoft.com/office/mac/drawingml/2011/main" xmlns="" val="1"/>
             </a:ext>
           </a:extLst>
         </p:spPr>
@@ -3549,7 +3549,7 @@
               </a14:hiddenLine>
             </a:ext>
             <a:ext uri="{FAA26D3D-D897-4be2-8F04-BA451C77F1D7}">
-              <ma14:placeholderFlag xmlns="" xmlns:ma14="http://schemas.microsoft.com/office/mac/drawingml/2011/main" val="1"/>
+              <ma14:placeholderFlag xmlns:ma14="http://schemas.microsoft.com/office/mac/drawingml/2011/main" xmlns="" val="1"/>
             </a:ext>
           </a:extLst>
         </p:spPr>
@@ -3610,7 +3610,7 @@
               </a14:hiddenLine>
             </a:ext>
             <a:ext uri="{FAA26D3D-D897-4be2-8F04-BA451C77F1D7}">
-              <ma14:placeholderFlag xmlns="" xmlns:ma14="http://schemas.microsoft.com/office/mac/drawingml/2011/main" val="1"/>
+              <ma14:placeholderFlag xmlns:ma14="http://schemas.microsoft.com/office/mac/drawingml/2011/main" xmlns="" val="1"/>
             </a:ext>
           </a:extLst>
         </p:spPr>
@@ -5399,7 +5399,7 @@
               <a:buNone/>
             </a:pPr>
             <a:r>
-              <a:rPr lang="en-US" altLang="en-US" sz="5400" b="1" dirty="0">
+              <a:rPr lang="en-US" altLang="en-US" sz="5400" b="1" dirty="0" smtClean="0">
                 <a:solidFill>
                   <a:schemeClr val="bg1"/>
                 </a:solidFill>
@@ -5407,8 +5407,16 @@
                 <a:ea typeface="Times New Roman" charset="0"/>
                 <a:cs typeface="Times New Roman" charset="0"/>
               </a:rPr>
-              <a:t>Abstract / Background</a:t>
-            </a:r>
+              <a:t>Research Question</a:t>
+            </a:r>
+            <a:endParaRPr lang="en-US" altLang="en-US" sz="5400" b="1" dirty="0">
+              <a:solidFill>
+                <a:schemeClr val="bg1"/>
+              </a:solidFill>
+              <a:latin typeface="Times New Roman" charset="0"/>
+              <a:ea typeface="Times New Roman" charset="0"/>
+              <a:cs typeface="Times New Roman" charset="0"/>
+            </a:endParaRPr>
           </a:p>
         </p:txBody>
       </p:sp>
@@ -7517,7 +7525,7 @@
               <a:buNone/>
             </a:pPr>
             <a:r>
-              <a:rPr lang="en-US" altLang="en-US" sz="5400" b="1" dirty="0">
+              <a:rPr lang="en-US" altLang="en-US" sz="5400" b="1" dirty="0" smtClean="0">
                 <a:solidFill>
                   <a:schemeClr val="bg1"/>
                 </a:solidFill>
@@ -7525,8 +7533,16 @@
                 <a:ea typeface="Times New Roman" charset="0"/>
                 <a:cs typeface="Times New Roman" charset="0"/>
               </a:rPr>
-              <a:t>Contribution/Conclusions</a:t>
-            </a:r>
+              <a:t>Conclusion</a:t>
+            </a:r>
+            <a:endParaRPr lang="en-US" altLang="en-US" sz="5400" b="1" dirty="0">
+              <a:solidFill>
+                <a:schemeClr val="bg1"/>
+              </a:solidFill>
+              <a:latin typeface="Times New Roman" charset="0"/>
+              <a:ea typeface="Times New Roman" charset="0"/>
+              <a:cs typeface="Times New Roman" charset="0"/>
+            </a:endParaRPr>
           </a:p>
         </p:txBody>
       </p:sp>
@@ -8760,66 +8776,6 @@
           </a:p>
         </p:txBody>
       </p:sp>
-      <p:pic>
-        <p:nvPicPr>
-          <p:cNvPr id="14" name="그림 13"/>
-          <p:cNvPicPr>
-            <a:picLocks/>
-          </p:cNvPicPr>
-          <p:nvPr/>
-        </p:nvPicPr>
-        <p:blipFill>
-          <a:blip r:embed="rId5">
-            <a:extLst>
-              <a:ext uri="{28A0092B-C50C-407E-A947-70E740481C1C}">
-                <a14:useLocalDpi xmlns:a14="http://schemas.microsoft.com/office/drawing/2010/main" val="0"/>
-              </a:ext>
-            </a:extLst>
-          </a:blip>
-          <a:stretch>
-            <a:fillRect/>
-          </a:stretch>
-        </p:blipFill>
-        <p:spPr>
-          <a:xfrm>
-            <a:off x="22677120" y="6934200"/>
-            <a:ext cx="10241280" cy="5486400"/>
-          </a:xfrm>
-          <a:prstGeom prst="rect">
-            <a:avLst/>
-          </a:prstGeom>
-        </p:spPr>
-      </p:pic>
-      <p:pic>
-        <p:nvPicPr>
-          <p:cNvPr id="15" name="그림 14"/>
-          <p:cNvPicPr>
-            <a:picLocks/>
-          </p:cNvPicPr>
-          <p:nvPr/>
-        </p:nvPicPr>
-        <p:blipFill>
-          <a:blip r:embed="rId6">
-            <a:extLst>
-              <a:ext uri="{28A0092B-C50C-407E-A947-70E740481C1C}">
-                <a14:useLocalDpi xmlns:a14="http://schemas.microsoft.com/office/drawing/2010/main" val="0"/>
-              </a:ext>
-            </a:extLst>
-          </a:blip>
-          <a:stretch>
-            <a:fillRect/>
-          </a:stretch>
-        </p:blipFill>
-        <p:spPr>
-          <a:xfrm>
-            <a:off x="22677120" y="13197840"/>
-            <a:ext cx="10241280" cy="5394960"/>
-          </a:xfrm>
-          <a:prstGeom prst="rect">
-            <a:avLst/>
-          </a:prstGeom>
-        </p:spPr>
-      </p:pic>
       <p:sp>
         <p:nvSpPr>
           <p:cNvPr id="17" name="TextBox 16"/>
@@ -9280,7 +9236,7 @@
           <p:nvPr/>
         </p:nvPicPr>
         <p:blipFill>
-          <a:blip r:embed="rId7" cstate="print">
+          <a:blip r:embed="rId5" cstate="print">
             <a:extLst>
               <a:ext uri="{28A0092B-C50C-407E-A947-70E740481C1C}">
                 <a14:useLocalDpi xmlns:a14="http://schemas.microsoft.com/office/drawing/2010/main" val="0"/>
@@ -9310,7 +9266,7 @@
           <p:nvPr/>
         </p:nvPicPr>
         <p:blipFill>
-          <a:blip r:embed="rId8" cstate="print">
+          <a:blip r:embed="rId6" cstate="print">
             <a:extLst>
               <a:ext uri="{28A0092B-C50C-407E-A947-70E740481C1C}">
                 <a14:useLocalDpi xmlns:a14="http://schemas.microsoft.com/office/drawing/2010/main" val="0"/>
@@ -9340,7 +9296,7 @@
           <p:nvPr/>
         </p:nvPicPr>
         <p:blipFill>
-          <a:blip r:embed="rId9" cstate="print">
+          <a:blip r:embed="rId7" cstate="print">
             <a:extLst>
               <a:ext uri="{28A0092B-C50C-407E-A947-70E740481C1C}">
                 <a14:useLocalDpi xmlns:a14="http://schemas.microsoft.com/office/drawing/2010/main" val="0"/>
@@ -9370,7 +9326,7 @@
           <p:nvPr/>
         </p:nvPicPr>
         <p:blipFill>
-          <a:blip r:embed="rId10" cstate="print">
+          <a:blip r:embed="rId8" cstate="print">
             <a:extLst>
               <a:ext uri="{28A0092B-C50C-407E-A947-70E740481C1C}">
                 <a14:useLocalDpi xmlns:a14="http://schemas.microsoft.com/office/drawing/2010/main" val="0"/>
@@ -10008,7 +9964,7 @@
           <p:nvPr/>
         </p:nvPicPr>
         <p:blipFill>
-          <a:blip r:embed="rId11" cstate="print">
+          <a:blip r:embed="rId9" cstate="print">
             <a:extLst>
               <a:ext uri="{28A0092B-C50C-407E-A947-70E740481C1C}">
                 <a14:useLocalDpi xmlns:a14="http://schemas.microsoft.com/office/drawing/2010/main" val="0"/>
@@ -10021,8 +9977,8 @@
         </p:blipFill>
         <p:spPr>
           <a:xfrm>
-            <a:off x="11937846" y="14223473"/>
-            <a:ext cx="10058400" cy="5747657"/>
+            <a:off x="11937846" y="13998853"/>
+            <a:ext cx="10058400" cy="5972278"/>
           </a:xfrm>
           <a:prstGeom prst="rect">
             <a:avLst/>
@@ -10236,6 +10192,66 @@
           </a:p>
         </p:txBody>
       </p:sp>
+      <p:pic>
+        <p:nvPicPr>
+          <p:cNvPr id="5" name="그림 4"/>
+          <p:cNvPicPr>
+            <a:picLocks noChangeAspect="1"/>
+          </p:cNvPicPr>
+          <p:nvPr/>
+        </p:nvPicPr>
+        <p:blipFill>
+          <a:blip r:embed="rId10">
+            <a:extLst>
+              <a:ext uri="{28A0092B-C50C-407E-A947-70E740481C1C}">
+                <a14:useLocalDpi xmlns:a14="http://schemas.microsoft.com/office/drawing/2010/main" val="0"/>
+              </a:ext>
+            </a:extLst>
+          </a:blip>
+          <a:stretch>
+            <a:fillRect/>
+          </a:stretch>
+        </p:blipFill>
+        <p:spPr>
+          <a:xfrm>
+            <a:off x="22782466" y="7052130"/>
+            <a:ext cx="10104289" cy="5052145"/>
+          </a:xfrm>
+          <a:prstGeom prst="rect">
+            <a:avLst/>
+          </a:prstGeom>
+        </p:spPr>
+      </p:pic>
+      <p:pic>
+        <p:nvPicPr>
+          <p:cNvPr id="6" name="그림 5"/>
+          <p:cNvPicPr>
+            <a:picLocks noChangeAspect="1"/>
+          </p:cNvPicPr>
+          <p:nvPr/>
+        </p:nvPicPr>
+        <p:blipFill>
+          <a:blip r:embed="rId11">
+            <a:extLst>
+              <a:ext uri="{28A0092B-C50C-407E-A947-70E740481C1C}">
+                <a14:useLocalDpi xmlns:a14="http://schemas.microsoft.com/office/drawing/2010/main" val="0"/>
+              </a:ext>
+            </a:extLst>
+          </a:blip>
+          <a:stretch>
+            <a:fillRect/>
+          </a:stretch>
+        </p:blipFill>
+        <p:spPr>
+          <a:xfrm>
+            <a:off x="22695967" y="13190183"/>
+            <a:ext cx="10104288" cy="5052145"/>
+          </a:xfrm>
+          <a:prstGeom prst="rect">
+            <a:avLst/>
+          </a:prstGeom>
+        </p:spPr>
+      </p:pic>
     </p:spTree>
   </p:cSld>
   <p:clrMapOvr>

--- a/Poster/ML_poster_rev2.pptx
+++ b/Poster/ML_poster_rev2.pptx
@@ -257,7 +257,7 @@
               <a:pPr>
                 <a:defRPr/>
               </a:pPr>
-              <a:t>3/4/2018</a:t>
+              <a:t>3/5/2018</a:t>
             </a:fld>
             <a:endParaRPr lang="en-US" altLang="en-US"/>
           </a:p>
@@ -626,7 +626,7 @@
               </a14:hiddenFill>
             </a:ext>
             <a:ext uri="{FAA26D3D-D897-4be2-8F04-BA451C77F1D7}">
-              <ma14:placeholderFlag xmlns:ma14="http://schemas.microsoft.com/office/mac/drawingml/2011/main" xmlns="" val="1"/>
+              <ma14:placeholderFlag xmlns="" xmlns:ma14="http://schemas.microsoft.com/office/mac/drawingml/2011/main" val="1"/>
             </a:ext>
           </a:extLst>
         </p:spPr>
@@ -662,7 +662,7 @@
               </a14:hiddenLine>
             </a:ext>
             <a:ext uri="{FAA26D3D-D897-4be2-8F04-BA451C77F1D7}">
-              <ma14:placeholderFlag xmlns:ma14="http://schemas.microsoft.com/office/mac/drawingml/2011/main" xmlns="" val="1"/>
+              <ma14:placeholderFlag xmlns="" xmlns:ma14="http://schemas.microsoft.com/office/mac/drawingml/2011/main" val="1"/>
             </a:ext>
           </a:extLst>
         </p:spPr>
@@ -3549,7 +3549,7 @@
               </a14:hiddenLine>
             </a:ext>
             <a:ext uri="{FAA26D3D-D897-4be2-8F04-BA451C77F1D7}">
-              <ma14:placeholderFlag xmlns:ma14="http://schemas.microsoft.com/office/mac/drawingml/2011/main" xmlns="" val="1"/>
+              <ma14:placeholderFlag xmlns="" xmlns:ma14="http://schemas.microsoft.com/office/mac/drawingml/2011/main" val="1"/>
             </a:ext>
           </a:extLst>
         </p:spPr>
@@ -3610,7 +3610,7 @@
               </a14:hiddenLine>
             </a:ext>
             <a:ext uri="{FAA26D3D-D897-4be2-8F04-BA451C77F1D7}">
-              <ma14:placeholderFlag xmlns:ma14="http://schemas.microsoft.com/office/mac/drawingml/2011/main" xmlns="" val="1"/>
+              <ma14:placeholderFlag xmlns="" xmlns:ma14="http://schemas.microsoft.com/office/mac/drawingml/2011/main" val="1"/>
             </a:ext>
           </a:extLst>
         </p:spPr>
@@ -5132,15 +5132,7 @@
                 <a:ea typeface="Times New Roman" charset="0"/>
                 <a:cs typeface="Times New Roman" charset="0"/>
               </a:rPr>
-              <a:t>Chung (</a:t>
-            </a:r>
-            <a:r>
-              <a:rPr lang="en-US" altLang="en-US" sz="5143" b="1" dirty="0" err="1" smtClean="0">
-                <a:latin typeface="Times New Roman" charset="0"/>
-                <a:ea typeface="Times New Roman" charset="0"/>
-                <a:cs typeface="Times New Roman" charset="0"/>
-              </a:rPr>
-              <a:t>alicechung@uchicago.edu</a:t>
+              <a:t>Chung (alicechung@uchicago.edu</a:t>
             </a:r>
             <a:r>
               <a:rPr lang="en-US" altLang="en-US" sz="5143" b="1" dirty="0">
@@ -5151,13 +5143,26 @@
               <a:t>), </a:t>
             </a:r>
             <a:r>
-              <a:rPr lang="en-US" altLang="en-US" sz="5143" b="1" dirty="0" smtClean="0">
+              <a:rPr lang="en-US" altLang="en-US" sz="5143" b="1" i="1" dirty="0" smtClean="0">
                 <a:latin typeface="Times New Roman" charset="0"/>
                 <a:ea typeface="Times New Roman" charset="0"/>
                 <a:cs typeface="Times New Roman" charset="0"/>
               </a:rPr>
-              <a:t>Computational Social Sciences</a:t>
-            </a:r>
+              <a:t>Computational Social </a:t>
+            </a:r>
+            <a:r>
+              <a:rPr lang="en-US" altLang="en-US" sz="5143" b="1" i="1" dirty="0" smtClean="0">
+                <a:latin typeface="Times New Roman" charset="0"/>
+                <a:ea typeface="Times New Roman" charset="0"/>
+                <a:cs typeface="Times New Roman" charset="0"/>
+              </a:rPr>
+              <a:t>Science</a:t>
+            </a:r>
+            <a:endParaRPr lang="en-US" altLang="en-US" sz="5143" b="1" i="1" dirty="0" smtClean="0">
+              <a:latin typeface="Times New Roman" charset="0"/>
+              <a:ea typeface="Times New Roman" charset="0"/>
+              <a:cs typeface="Times New Roman" charset="0"/>
+            </a:endParaRPr>
           </a:p>
           <a:p>
             <a:pPr algn="ctr">
@@ -5197,7 +5202,15 @@
                 <a:ea typeface="Times New Roman" charset="0"/>
                 <a:cs typeface="Times New Roman" charset="0"/>
               </a:rPr>
-              <a:t>), Department of Political Science</a:t>
+              <a:t>), </a:t>
+            </a:r>
+            <a:r>
+              <a:rPr lang="en-US" altLang="en-US" sz="5143" b="1" i="1" dirty="0" smtClean="0">
+                <a:latin typeface="Times New Roman" charset="0"/>
+                <a:ea typeface="Times New Roman" charset="0"/>
+                <a:cs typeface="Times New Roman" charset="0"/>
+              </a:rPr>
+              <a:t>Department of Political Science</a:t>
             </a:r>
           </a:p>
           <a:p>
@@ -10246,6 +10259,36 @@
           <a:xfrm>
             <a:off x="22695967" y="13190183"/>
             <a:ext cx="10104288" cy="5052145"/>
+          </a:xfrm>
+          <a:prstGeom prst="rect">
+            <a:avLst/>
+          </a:prstGeom>
+        </p:spPr>
+      </p:pic>
+      <p:pic>
+        <p:nvPicPr>
+          <p:cNvPr id="7" name="그림 6"/>
+          <p:cNvPicPr>
+            <a:picLocks noChangeAspect="1"/>
+          </p:cNvPicPr>
+          <p:nvPr/>
+        </p:nvPicPr>
+        <p:blipFill>
+          <a:blip r:embed="rId12" cstate="print">
+            <a:extLst>
+              <a:ext uri="{28A0092B-C50C-407E-A947-70E740481C1C}">
+                <a14:useLocalDpi xmlns:a14="http://schemas.microsoft.com/office/drawing/2010/main" val="0"/>
+              </a:ext>
+            </a:extLst>
+          </a:blip>
+          <a:stretch>
+            <a:fillRect/>
+          </a:stretch>
+        </p:blipFill>
+        <p:spPr>
+          <a:xfrm rot="10800000" flipH="1" flipV="1">
+            <a:off x="41648619" y="2801496"/>
+            <a:ext cx="1480581" cy="1922904"/>
           </a:xfrm>
           <a:prstGeom prst="rect">
             <a:avLst/>
